--- a/Presentation.pptx
+++ b/Presentation.pptx
@@ -115,6 +115,11 @@
       </a:defRPr>
     </a:lvl9pPr>
   </p:defaultTextStyle>
+  <p:extLst>
+    <p:ext uri="{EFAFB233-063F-42B5-8137-9DF3F51BA10A}">
+      <p15:sldGuideLst xmlns:p15="http://schemas.microsoft.com/office/powerpoint/2012/main"/>
+    </p:ext>
+  </p:extLst>
 </p:presentation>
 </file>
 
@@ -841,7 +846,7 @@
             <a:fld id="{B61BEF0D-F0BB-DE4B-95CE-6DB70DBA9567}" type="datetimeFigureOut">
               <a:rPr lang="en-US" dirty="0"/>
               <a:pPr/>
-              <a:t>4/26/2025</a:t>
+              <a:t>4/29/2025</a:t>
             </a:fld>
             <a:endParaRPr lang="en-US" dirty="0"/>
           </a:p>
@@ -1089,7 +1094,7 @@
             <a:fld id="{B61BEF0D-F0BB-DE4B-95CE-6DB70DBA9567}" type="datetimeFigureOut">
               <a:rPr lang="en-US" dirty="0"/>
               <a:pPr/>
-              <a:t>4/26/2025</a:t>
+              <a:t>4/29/2025</a:t>
             </a:fld>
             <a:endParaRPr lang="en-US" dirty="0"/>
           </a:p>
@@ -1400,7 +1405,7 @@
             <a:fld id="{B61BEF0D-F0BB-DE4B-95CE-6DB70DBA9567}" type="datetimeFigureOut">
               <a:rPr lang="en-US" dirty="0"/>
               <a:pPr/>
-              <a:t>4/26/2025</a:t>
+              <a:t>4/29/2025</a:t>
             </a:fld>
             <a:endParaRPr lang="en-US" dirty="0"/>
           </a:p>
@@ -1738,7 +1743,7 @@
             <a:fld id="{B61BEF0D-F0BB-DE4B-95CE-6DB70DBA9567}" type="datetimeFigureOut">
               <a:rPr lang="en-US" dirty="0"/>
               <a:pPr/>
-              <a:t>4/26/2025</a:t>
+              <a:t>4/29/2025</a:t>
             </a:fld>
             <a:endParaRPr lang="en-US" dirty="0"/>
           </a:p>
@@ -2049,7 +2054,7 @@
             <a:fld id="{B61BEF0D-F0BB-DE4B-95CE-6DB70DBA9567}" type="datetimeFigureOut">
               <a:rPr lang="en-US" dirty="0"/>
               <a:pPr/>
-              <a:t>4/26/2025</a:t>
+              <a:t>4/29/2025</a:t>
             </a:fld>
             <a:endParaRPr lang="en-US" dirty="0"/>
           </a:p>
@@ -2439,7 +2444,7 @@
             <a:fld id="{B61BEF0D-F0BB-DE4B-95CE-6DB70DBA9567}" type="datetimeFigureOut">
               <a:rPr lang="en-US" dirty="0"/>
               <a:pPr/>
-              <a:t>4/26/2025</a:t>
+              <a:t>4/29/2025</a:t>
             </a:fld>
             <a:endParaRPr lang="en-US" dirty="0"/>
           </a:p>
@@ -2605,7 +2610,7 @@
           <a:p>
             <a:fld id="{55C6B4A9-1611-4792-9094-5F34BCA07E0B}" type="datetimeFigureOut">
               <a:rPr lang="en-US" dirty="0"/>
-              <a:t>4/26/2025</a:t>
+              <a:t>4/29/2025</a:t>
             </a:fld>
             <a:endParaRPr lang="en-US" dirty="0"/>
           </a:p>
@@ -2781,7 +2786,7 @@
             <a:fld id="{B61BEF0D-F0BB-DE4B-95CE-6DB70DBA9567}" type="datetimeFigureOut">
               <a:rPr lang="en-US" dirty="0"/>
               <a:pPr/>
-              <a:t>4/26/2025</a:t>
+              <a:t>4/29/2025</a:t>
             </a:fld>
             <a:endParaRPr lang="en-US" dirty="0"/>
           </a:p>
@@ -2954,7 +2959,7 @@
             <a:fld id="{B61BEF0D-F0BB-DE4B-95CE-6DB70DBA9567}" type="datetimeFigureOut">
               <a:rPr lang="en-US" dirty="0"/>
               <a:pPr/>
-              <a:t>4/26/2025</a:t>
+              <a:t>4/29/2025</a:t>
             </a:fld>
             <a:endParaRPr lang="en-US" dirty="0"/>
           </a:p>
@@ -3198,7 +3203,7 @@
             <a:fld id="{B61BEF0D-F0BB-DE4B-95CE-6DB70DBA9567}" type="datetimeFigureOut">
               <a:rPr lang="en-US" dirty="0"/>
               <a:pPr/>
-              <a:t>4/26/2025</a:t>
+              <a:t>4/29/2025</a:t>
             </a:fld>
             <a:endParaRPr lang="en-US" dirty="0"/>
           </a:p>
@@ -3426,7 +3431,7 @@
           <a:p>
             <a:fld id="{EB712588-04B1-427B-82EE-E8DB90309F08}" type="datetimeFigureOut">
               <a:rPr lang="en-US" dirty="0"/>
-              <a:t>4/26/2025</a:t>
+              <a:t>4/29/2025</a:t>
             </a:fld>
             <a:endParaRPr lang="en-US" dirty="0"/>
           </a:p>
@@ -3796,7 +3801,7 @@
             <a:fld id="{B61BEF0D-F0BB-DE4B-95CE-6DB70DBA9567}" type="datetimeFigureOut">
               <a:rPr lang="en-US" dirty="0"/>
               <a:pPr/>
-              <a:t>4/26/2025</a:t>
+              <a:t>4/29/2025</a:t>
             </a:fld>
             <a:endParaRPr lang="en-US" dirty="0"/>
           </a:p>
@@ -3916,7 +3921,7 @@
             <a:fld id="{B61BEF0D-F0BB-DE4B-95CE-6DB70DBA9567}" type="datetimeFigureOut">
               <a:rPr lang="en-US" dirty="0"/>
               <a:pPr/>
-              <a:t>4/26/2025</a:t>
+              <a:t>4/29/2025</a:t>
             </a:fld>
             <a:endParaRPr lang="en-US" dirty="0"/>
           </a:p>
@@ -4008,7 +4013,7 @@
             <a:fld id="{B61BEF0D-F0BB-DE4B-95CE-6DB70DBA9567}" type="datetimeFigureOut">
               <a:rPr lang="en-US" dirty="0"/>
               <a:pPr/>
-              <a:t>4/26/2025</a:t>
+              <a:t>4/29/2025</a:t>
             </a:fld>
             <a:endParaRPr lang="en-US" dirty="0"/>
           </a:p>
@@ -4259,7 +4264,7 @@
           <a:p>
             <a:fld id="{42A54C80-263E-416B-A8E0-580EDEADCBDC}" type="datetimeFigureOut">
               <a:rPr lang="en-US" dirty="0"/>
-              <a:t>4/26/2025</a:t>
+              <a:t>4/29/2025</a:t>
             </a:fld>
             <a:endParaRPr lang="en-US" dirty="0"/>
           </a:p>
@@ -4518,7 +4523,7 @@
             <a:fld id="{B61BEF0D-F0BB-DE4B-95CE-6DB70DBA9567}" type="datetimeFigureOut">
               <a:rPr lang="en-US" dirty="0"/>
               <a:pPr/>
-              <a:t>4/26/2025</a:t>
+              <a:t>4/29/2025</a:t>
             </a:fld>
             <a:endParaRPr lang="en-US" dirty="0"/>
           </a:p>
@@ -5258,7 +5263,7 @@
             <a:fld id="{B61BEF0D-F0BB-DE4B-95CE-6DB70DBA9567}" type="datetimeFigureOut">
               <a:rPr lang="en-US" dirty="0"/>
               <a:pPr/>
-              <a:t>4/26/2025</a:t>
+              <a:t>4/29/2025</a:t>
             </a:fld>
             <a:endParaRPr lang="en-US" dirty="0"/>
           </a:p>
@@ -6003,7 +6008,35 @@
             </a:r>
             <a:r>
               <a:rPr lang="en-US" dirty="0"/>
-              <a:t>purchasing the SCHWEIZER AIRCRAFT G-164B for its strong safety record, with the GLOBE GC-1B as a secondary option</a:t>
+              <a:t>purchasing the </a:t>
+            </a:r>
+            <a:r>
+              <a:rPr lang="en-US" dirty="0" smtClean="0"/>
+              <a:t>Maule Model </a:t>
+            </a:r>
+            <a:r>
+              <a:rPr lang="en-US" dirty="0"/>
+              <a:t>M-7-235B for its strong safety record </a:t>
+            </a:r>
+            <a:r>
+              <a:rPr lang="en-US" dirty="0" smtClean="0"/>
+              <a:t> or </a:t>
+            </a:r>
+            <a:r>
+              <a:rPr lang="en-US" dirty="0" smtClean="0"/>
+              <a:t>the SCHWEIZER </a:t>
+            </a:r>
+            <a:r>
+              <a:rPr lang="en-US" dirty="0"/>
+              <a:t>AIRCRAFT G-164B </a:t>
+            </a:r>
+            <a:r>
+              <a:rPr lang="en-US" dirty="0" smtClean="0"/>
+              <a:t>as </a:t>
+            </a:r>
+            <a:r>
+              <a:rPr lang="en-US" dirty="0"/>
+              <a:t>a secondary option</a:t>
             </a:r>
             <a:r>
               <a:rPr lang="en-US" dirty="0" smtClean="0"/>
@@ -6570,7 +6603,6 @@
               <a:rPr lang="en-US" sz="3000" dirty="0"/>
               <a:t>Percentage of missing values in each column</a:t>
             </a:r>
-            <a:endParaRPr lang="en-US" sz="3000" dirty="0"/>
           </a:p>
         </p:txBody>
       </p:sp>
@@ -6659,7 +6691,7 @@
       </p:sp>
       <p:pic>
         <p:nvPicPr>
-          <p:cNvPr id="3" name="Picture 2"/>
+          <p:cNvPr id="4" name="Picture 3"/>
           <p:cNvPicPr>
             <a:picLocks noChangeAspect="1"/>
           </p:cNvPicPr>
@@ -6679,8 +6711,8 @@
         </p:blipFill>
         <p:spPr>
           <a:xfrm>
-            <a:off x="452284" y="1521929"/>
-            <a:ext cx="11437629" cy="4593733"/>
+            <a:off x="196567" y="1270000"/>
+            <a:ext cx="11814071" cy="5029210"/>
           </a:xfrm>
           <a:prstGeom prst="rect">
             <a:avLst/>
@@ -6742,7 +6774,7 @@
       </p:sp>
       <p:pic>
         <p:nvPicPr>
-          <p:cNvPr id="3" name="Picture 2"/>
+          <p:cNvPr id="4" name="Picture 3"/>
           <p:cNvPicPr>
             <a:picLocks noChangeAspect="1"/>
           </p:cNvPicPr>
@@ -6762,8 +6794,8 @@
         </p:blipFill>
         <p:spPr>
           <a:xfrm>
-            <a:off x="486697" y="1178642"/>
-            <a:ext cx="10820400" cy="5337089"/>
+            <a:off x="950712" y="1270000"/>
+            <a:ext cx="10817373" cy="5340107"/>
           </a:xfrm>
           <a:prstGeom prst="rect">
             <a:avLst/>
@@ -6825,7 +6857,7 @@
       </p:sp>
       <p:pic>
         <p:nvPicPr>
-          <p:cNvPr id="3" name="Picture 2"/>
+          <p:cNvPr id="5" name="Picture 4"/>
           <p:cNvPicPr>
             <a:picLocks noChangeAspect="1"/>
           </p:cNvPicPr>
@@ -6845,8 +6877,8 @@
         </p:blipFill>
         <p:spPr>
           <a:xfrm>
-            <a:off x="1050863" y="1270000"/>
-            <a:ext cx="8851410" cy="5340107"/>
+            <a:off x="869583" y="1345415"/>
+            <a:ext cx="8887986" cy="5340107"/>
           </a:xfrm>
           <a:prstGeom prst="rect">
             <a:avLst/>
